--- a/Chimie/lecons/LC5-Stratégie et sélectivité en synthèse organique/LC5-Stratégie.pptx
+++ b/Chimie/lecons/LC5-Stratégie et sélectivité en synthèse organique/LC5-Stratégie.pptx
@@ -6,6 +6,9 @@
   </p:sldMasterIdLst>
   <p:sldIdLst>
     <p:sldId id="256" r:id="rId2"/>
+    <p:sldId id="257" r:id="rId3"/>
+    <p:sldId id="258" r:id="rId4"/>
+    <p:sldId id="259" r:id="rId5"/>
   </p:sldIdLst>
   <p:sldSz cx="12192000" cy="6858000"/>
   <p:notesSz cx="6858000" cy="9144000"/>
@@ -104,6 +107,11 @@
       </a:defRPr>
     </a:lvl9pPr>
   </p:defaultTextStyle>
+  <p:extLst>
+    <p:ext uri="{EFAFB233-063F-42B5-8137-9DF3F51BA10A}">
+      <p15:sldGuideLst xmlns:p15="http://schemas.microsoft.com/office/powerpoint/2012/main"/>
+    </p:ext>
+  </p:extLst>
 </p:presentation>
 </file>
 
@@ -256,7 +264,7 @@
           <a:p>
             <a:fld id="{CB4CFFBA-77CD-48A3-BBA7-325F63157892}" type="datetimeFigureOut">
               <a:rPr lang="fr-FR" smtClean="0"/>
-              <a:t>16/05/2020</a:t>
+              <a:t>17/05/2020</a:t>
             </a:fld>
             <a:endParaRPr lang="fr-FR"/>
           </a:p>
@@ -456,7 +464,7 @@
           <a:p>
             <a:fld id="{CB4CFFBA-77CD-48A3-BBA7-325F63157892}" type="datetimeFigureOut">
               <a:rPr lang="fr-FR" smtClean="0"/>
-              <a:t>16/05/2020</a:t>
+              <a:t>17/05/2020</a:t>
             </a:fld>
             <a:endParaRPr lang="fr-FR"/>
           </a:p>
@@ -666,7 +674,7 @@
           <a:p>
             <a:fld id="{CB4CFFBA-77CD-48A3-BBA7-325F63157892}" type="datetimeFigureOut">
               <a:rPr lang="fr-FR" smtClean="0"/>
-              <a:t>16/05/2020</a:t>
+              <a:t>17/05/2020</a:t>
             </a:fld>
             <a:endParaRPr lang="fr-FR"/>
           </a:p>
@@ -866,7 +874,7 @@
           <a:p>
             <a:fld id="{CB4CFFBA-77CD-48A3-BBA7-325F63157892}" type="datetimeFigureOut">
               <a:rPr lang="fr-FR" smtClean="0"/>
-              <a:t>16/05/2020</a:t>
+              <a:t>17/05/2020</a:t>
             </a:fld>
             <a:endParaRPr lang="fr-FR"/>
           </a:p>
@@ -1142,7 +1150,7 @@
           <a:p>
             <a:fld id="{CB4CFFBA-77CD-48A3-BBA7-325F63157892}" type="datetimeFigureOut">
               <a:rPr lang="fr-FR" smtClean="0"/>
-              <a:t>16/05/2020</a:t>
+              <a:t>17/05/2020</a:t>
             </a:fld>
             <a:endParaRPr lang="fr-FR"/>
           </a:p>
@@ -1410,7 +1418,7 @@
           <a:p>
             <a:fld id="{CB4CFFBA-77CD-48A3-BBA7-325F63157892}" type="datetimeFigureOut">
               <a:rPr lang="fr-FR" smtClean="0"/>
-              <a:t>16/05/2020</a:t>
+              <a:t>17/05/2020</a:t>
             </a:fld>
             <a:endParaRPr lang="fr-FR"/>
           </a:p>
@@ -1825,7 +1833,7 @@
           <a:p>
             <a:fld id="{CB4CFFBA-77CD-48A3-BBA7-325F63157892}" type="datetimeFigureOut">
               <a:rPr lang="fr-FR" smtClean="0"/>
-              <a:t>16/05/2020</a:t>
+              <a:t>17/05/2020</a:t>
             </a:fld>
             <a:endParaRPr lang="fr-FR"/>
           </a:p>
@@ -1967,7 +1975,7 @@
           <a:p>
             <a:fld id="{CB4CFFBA-77CD-48A3-BBA7-325F63157892}" type="datetimeFigureOut">
               <a:rPr lang="fr-FR" smtClean="0"/>
-              <a:t>16/05/2020</a:t>
+              <a:t>17/05/2020</a:t>
             </a:fld>
             <a:endParaRPr lang="fr-FR"/>
           </a:p>
@@ -2080,7 +2088,7 @@
           <a:p>
             <a:fld id="{CB4CFFBA-77CD-48A3-BBA7-325F63157892}" type="datetimeFigureOut">
               <a:rPr lang="fr-FR" smtClean="0"/>
-              <a:t>16/05/2020</a:t>
+              <a:t>17/05/2020</a:t>
             </a:fld>
             <a:endParaRPr lang="fr-FR"/>
           </a:p>
@@ -2393,7 +2401,7 @@
           <a:p>
             <a:fld id="{CB4CFFBA-77CD-48A3-BBA7-325F63157892}" type="datetimeFigureOut">
               <a:rPr lang="fr-FR" smtClean="0"/>
-              <a:t>16/05/2020</a:t>
+              <a:t>17/05/2020</a:t>
             </a:fld>
             <a:endParaRPr lang="fr-FR"/>
           </a:p>
@@ -2682,7 +2690,7 @@
           <a:p>
             <a:fld id="{CB4CFFBA-77CD-48A3-BBA7-325F63157892}" type="datetimeFigureOut">
               <a:rPr lang="fr-FR" smtClean="0"/>
-              <a:t>16/05/2020</a:t>
+              <a:t>17/05/2020</a:t>
             </a:fld>
             <a:endParaRPr lang="fr-FR"/>
           </a:p>
@@ -2925,7 +2933,7 @@
           <a:p>
             <a:fld id="{CB4CFFBA-77CD-48A3-BBA7-325F63157892}" type="datetimeFigureOut">
               <a:rPr lang="fr-FR" smtClean="0"/>
-              <a:t>16/05/2020</a:t>
+              <a:t>17/05/2020</a:t>
             </a:fld>
             <a:endParaRPr lang="fr-FR"/>
           </a:p>
@@ -3450,6 +3458,182 @@
 </p:sld>
 </file>
 
+<file path=ppt/slides/slide2.xml><?xml version="1.0" encoding="utf-8"?>
+<p:sld xmlns:a="http://schemas.openxmlformats.org/drawingml/2006/main" xmlns:r="http://schemas.openxmlformats.org/officeDocument/2006/relationships" xmlns:p="http://schemas.openxmlformats.org/presentationml/2006/main">
+  <p:cSld>
+    <p:spTree>
+      <p:nvGrpSpPr>
+        <p:cNvPr id="1" name=""/>
+        <p:cNvGrpSpPr/>
+        <p:nvPr/>
+      </p:nvGrpSpPr>
+      <p:grpSpPr>
+        <a:xfrm>
+          <a:off x="0" y="0"/>
+          <a:ext cx="0" cy="0"/>
+          <a:chOff x="0" y="0"/>
+          <a:chExt cx="0" cy="0"/>
+        </a:xfrm>
+      </p:grpSpPr>
+      <p:pic>
+        <p:nvPicPr>
+          <p:cNvPr id="2" name="Picture 1">
+            <a:extLst>
+              <a:ext uri="{FF2B5EF4-FFF2-40B4-BE49-F238E27FC236}">
+                <a16:creationId xmlns:a16="http://schemas.microsoft.com/office/drawing/2014/main" id="{7260782F-3420-4BDC-B8BE-DBF0261BDBCB}"/>
+              </a:ext>
+            </a:extLst>
+          </p:cNvPr>
+          <p:cNvPicPr/>
+          <p:nvPr/>
+        </p:nvPicPr>
+        <p:blipFill>
+          <a:blip r:embed="rId2"/>
+          <a:stretch>
+            <a:fillRect/>
+          </a:stretch>
+        </p:blipFill>
+        <p:spPr>
+          <a:xfrm>
+            <a:off x="4328160" y="3317558"/>
+            <a:ext cx="4076700" cy="1713230"/>
+          </a:xfrm>
+          <a:prstGeom prst="rect">
+            <a:avLst/>
+          </a:prstGeom>
+        </p:spPr>
+      </p:pic>
+      <p:pic>
+        <p:nvPicPr>
+          <p:cNvPr id="3" name="Picture 2">
+            <a:extLst>
+              <a:ext uri="{FF2B5EF4-FFF2-40B4-BE49-F238E27FC236}">
+                <a16:creationId xmlns:a16="http://schemas.microsoft.com/office/drawing/2014/main" id="{46BFE8B6-96AD-4472-AAEF-9727583D98D8}"/>
+              </a:ext>
+            </a:extLst>
+          </p:cNvPr>
+          <p:cNvPicPr/>
+          <p:nvPr/>
+        </p:nvPicPr>
+        <p:blipFill>
+          <a:blip r:embed="rId3"/>
+          <a:stretch>
+            <a:fillRect/>
+          </a:stretch>
+        </p:blipFill>
+        <p:spPr>
+          <a:xfrm>
+            <a:off x="3215640" y="1827213"/>
+            <a:ext cx="5760720" cy="1130935"/>
+          </a:xfrm>
+          <a:prstGeom prst="rect">
+            <a:avLst/>
+          </a:prstGeom>
+        </p:spPr>
+      </p:pic>
+    </p:spTree>
+    <p:extLst>
+      <p:ext uri="{BB962C8B-B14F-4D97-AF65-F5344CB8AC3E}">
+        <p14:creationId xmlns:p14="http://schemas.microsoft.com/office/powerpoint/2010/main" val="964408282"/>
+      </p:ext>
+    </p:extLst>
+  </p:cSld>
+  <p:clrMapOvr>
+    <a:masterClrMapping/>
+  </p:clrMapOvr>
+</p:sld>
+</file>
+
+<file path=ppt/slides/slide3.xml><?xml version="1.0" encoding="utf-8"?>
+<p:sld xmlns:a="http://schemas.openxmlformats.org/drawingml/2006/main" xmlns:r="http://schemas.openxmlformats.org/officeDocument/2006/relationships" xmlns:p="http://schemas.openxmlformats.org/presentationml/2006/main">
+  <p:cSld>
+    <p:spTree>
+      <p:nvGrpSpPr>
+        <p:cNvPr id="1" name=""/>
+        <p:cNvGrpSpPr/>
+        <p:nvPr/>
+      </p:nvGrpSpPr>
+      <p:grpSpPr>
+        <a:xfrm>
+          <a:off x="0" y="0"/>
+          <a:ext cx="0" cy="0"/>
+          <a:chOff x="0" y="0"/>
+          <a:chExt cx="0" cy="0"/>
+        </a:xfrm>
+      </p:grpSpPr>
+      <p:pic>
+        <p:nvPicPr>
+          <p:cNvPr id="2" name="Picture 1">
+            <a:extLst>
+              <a:ext uri="{FF2B5EF4-FFF2-40B4-BE49-F238E27FC236}">
+                <a16:creationId xmlns:a16="http://schemas.microsoft.com/office/drawing/2014/main" id="{0D8AF860-1D68-43D5-B7B6-E4F3997858FB}"/>
+              </a:ext>
+            </a:extLst>
+          </p:cNvPr>
+          <p:cNvPicPr>
+            <a:picLocks noChangeAspect="1"/>
+          </p:cNvPicPr>
+          <p:nvPr/>
+        </p:nvPicPr>
+        <p:blipFill>
+          <a:blip r:embed="rId2"/>
+          <a:stretch>
+            <a:fillRect/>
+          </a:stretch>
+        </p:blipFill>
+        <p:spPr>
+          <a:xfrm>
+            <a:off x="1048870" y="1736804"/>
+            <a:ext cx="10094259" cy="3384392"/>
+          </a:xfrm>
+          <a:prstGeom prst="rect">
+            <a:avLst/>
+          </a:prstGeom>
+        </p:spPr>
+      </p:pic>
+    </p:spTree>
+    <p:extLst>
+      <p:ext uri="{BB962C8B-B14F-4D97-AF65-F5344CB8AC3E}">
+        <p14:creationId xmlns:p14="http://schemas.microsoft.com/office/powerpoint/2010/main" val="3561291274"/>
+      </p:ext>
+    </p:extLst>
+  </p:cSld>
+  <p:clrMapOvr>
+    <a:masterClrMapping/>
+  </p:clrMapOvr>
+</p:sld>
+</file>
+
+<file path=ppt/slides/slide4.xml><?xml version="1.0" encoding="utf-8"?>
+<p:sld xmlns:a="http://schemas.openxmlformats.org/drawingml/2006/main" xmlns:r="http://schemas.openxmlformats.org/officeDocument/2006/relationships" xmlns:p="http://schemas.openxmlformats.org/presentationml/2006/main">
+  <p:cSld>
+    <p:spTree>
+      <p:nvGrpSpPr>
+        <p:cNvPr id="1" name=""/>
+        <p:cNvGrpSpPr/>
+        <p:nvPr/>
+      </p:nvGrpSpPr>
+      <p:grpSpPr>
+        <a:xfrm>
+          <a:off x="0" y="0"/>
+          <a:ext cx="0" cy="0"/>
+          <a:chOff x="0" y="0"/>
+          <a:chExt cx="0" cy="0"/>
+        </a:xfrm>
+      </p:grpSpPr>
+    </p:spTree>
+    <p:extLst>
+      <p:ext uri="{BB962C8B-B14F-4D97-AF65-F5344CB8AC3E}">
+        <p14:creationId xmlns:p14="http://schemas.microsoft.com/office/powerpoint/2010/main" val="21568630"/>
+      </p:ext>
+    </p:extLst>
+  </p:cSld>
+  <p:clrMapOvr>
+    <a:masterClrMapping/>
+  </p:clrMapOvr>
+</p:sld>
+</file>
+
 <file path=ppt/theme/theme1.xml><?xml version="1.0" encoding="utf-8"?>
 <a:theme xmlns:a="http://schemas.openxmlformats.org/drawingml/2006/main" name="Office Theme">
   <a:themeElements>
